--- a/images/concept.pptx
+++ b/images/concept.pptx
@@ -3827,7 +3827,7 @@
           <a:p>
             <a:r>
               <a:rPr lang="en-US" dirty="0"/>
-              <a:t>ESP32</a:t>
+              <a:t>MCU</a:t>
             </a:r>
           </a:p>
         </p:txBody>

--- a/images/concept.pptx
+++ b/images/concept.pptx
@@ -3340,8 +3340,8 @@
         </p:nvSpPr>
         <p:spPr>
           <a:xfrm>
-            <a:off x="2924175" y="2048607"/>
-            <a:ext cx="1186961" cy="2171695"/>
+            <a:off x="2924175" y="3027483"/>
+            <a:ext cx="1186961" cy="1192819"/>
           </a:xfrm>
           <a:prstGeom prst="rect">
             <a:avLst/>
@@ -3468,8 +3468,8 @@
         </p:nvSpPr>
         <p:spPr>
           <a:xfrm>
-            <a:off x="5190392" y="2063233"/>
-            <a:ext cx="1717796" cy="2157071"/>
+            <a:off x="5190392" y="3027484"/>
+            <a:ext cx="1717796" cy="1192819"/>
           </a:xfrm>
           <a:prstGeom prst="rect">
             <a:avLst/>
@@ -3503,45 +3503,6 @@
           </a:p>
         </p:txBody>
       </p:sp>
-      <p:pic>
-        <p:nvPicPr>
-          <p:cNvPr id="11" name="Picture 10" descr="A black and white logo&#10;&#10;Description automatically generated with low confidence">
-            <a:extLst>
-              <a:ext uri="{FF2B5EF4-FFF2-40B4-BE49-F238E27FC236}">
-                <a16:creationId xmlns:a16="http://schemas.microsoft.com/office/drawing/2014/main" id="{33ABE047-9DA0-4A12-A020-48624E701A07}"/>
-              </a:ext>
-            </a:extLst>
-          </p:cNvPr>
-          <p:cNvPicPr>
-            <a:picLocks noChangeAspect="1"/>
-          </p:cNvPicPr>
-          <p:nvPr/>
-        </p:nvPicPr>
-        <p:blipFill>
-          <a:blip r:embed="rId2">
-            <a:extLst>
-              <a:ext uri="{28A0092B-C50C-407E-A947-70E740481C1C}">
-                <a14:useLocalDpi xmlns:a14="http://schemas.microsoft.com/office/drawing/2010/main" val="0"/>
-              </a:ext>
-              <a:ext uri="{837473B0-CC2E-450A-ABE3-18F120FF3D39}">
-                <a1611:picAttrSrcUrl xmlns:a1611="http://schemas.microsoft.com/office/drawing/2016/11/main" r:id="rId3"/>
-              </a:ext>
-            </a:extLst>
-          </a:blip>
-          <a:stretch>
-            <a:fillRect/>
-          </a:stretch>
-        </p:blipFill>
-        <p:spPr>
-          <a:xfrm>
-            <a:off x="5844150" y="2250844"/>
-            <a:ext cx="410280" cy="410280"/>
-          </a:xfrm>
-          <a:prstGeom prst="rect">
-            <a:avLst/>
-          </a:prstGeom>
-        </p:spPr>
-      </p:pic>
       <p:cxnSp>
         <p:nvCxnSpPr>
           <p:cNvPr id="42" name="Straight Arrow Connector 41">
@@ -3811,7 +3772,7 @@
         </p:nvSpPr>
         <p:spPr>
           <a:xfrm>
-            <a:off x="5686425" y="4220302"/>
+            <a:off x="5736245" y="3005017"/>
             <a:ext cx="749544" cy="369332"/>
           </a:xfrm>
           <a:prstGeom prst="rect">
@@ -3826,102 +3787,16 @@
           <a:lstStyle/>
           <a:p>
             <a:r>
-              <a:rPr lang="en-US" dirty="0"/>
+              <a:rPr lang="en-US" dirty="0">
+                <a:solidFill>
+                  <a:schemeClr val="bg1"/>
+                </a:solidFill>
+              </a:rPr>
               <a:t>MCU</a:t>
             </a:r>
           </a:p>
         </p:txBody>
       </p:sp>
-      <p:cxnSp>
-        <p:nvCxnSpPr>
-          <p:cNvPr id="54" name="Straight Arrow Connector 53">
-            <a:extLst>
-              <a:ext uri="{FF2B5EF4-FFF2-40B4-BE49-F238E27FC236}">
-                <a16:creationId xmlns:a16="http://schemas.microsoft.com/office/drawing/2014/main" id="{70CAA723-6D95-4541-931F-24715EA7A989}"/>
-              </a:ext>
-            </a:extLst>
-          </p:cNvPr>
-          <p:cNvCxnSpPr>
-            <a:cxnSpLocks/>
-          </p:cNvCxnSpPr>
-          <p:nvPr/>
-        </p:nvCxnSpPr>
-        <p:spPr>
-          <a:xfrm>
-            <a:off x="6061197" y="2743200"/>
-            <a:ext cx="0" cy="433786"/>
-          </a:xfrm>
-          <a:prstGeom prst="straightConnector1">
-            <a:avLst/>
-          </a:prstGeom>
-          <a:ln w="38100">
-            <a:solidFill>
-              <a:schemeClr val="tx1"/>
-            </a:solidFill>
-            <a:headEnd type="triangle"/>
-            <a:tailEnd type="triangle"/>
-          </a:ln>
-        </p:spPr>
-        <p:style>
-          <a:lnRef idx="1">
-            <a:schemeClr val="accent1"/>
-          </a:lnRef>
-          <a:fillRef idx="0">
-            <a:schemeClr val="accent1"/>
-          </a:fillRef>
-          <a:effectRef idx="0">
-            <a:schemeClr val="accent1"/>
-          </a:effectRef>
-          <a:fontRef idx="minor">
-            <a:schemeClr val="tx1"/>
-          </a:fontRef>
-        </p:style>
-      </p:cxnSp>
-      <p:cxnSp>
-        <p:nvCxnSpPr>
-          <p:cNvPr id="57" name="Straight Arrow Connector 56">
-            <a:extLst>
-              <a:ext uri="{FF2B5EF4-FFF2-40B4-BE49-F238E27FC236}">
-                <a16:creationId xmlns:a16="http://schemas.microsoft.com/office/drawing/2014/main" id="{9202DA92-CFCE-49B6-9268-2349399555E8}"/>
-              </a:ext>
-            </a:extLst>
-          </p:cNvPr>
-          <p:cNvCxnSpPr>
-            <a:cxnSpLocks/>
-          </p:cNvCxnSpPr>
-          <p:nvPr/>
-        </p:nvCxnSpPr>
-        <p:spPr>
-          <a:xfrm>
-            <a:off x="6061197" y="1796560"/>
-            <a:ext cx="0" cy="433786"/>
-          </a:xfrm>
-          <a:prstGeom prst="straightConnector1">
-            <a:avLst/>
-          </a:prstGeom>
-          <a:ln w="38100">
-            <a:solidFill>
-              <a:schemeClr val="tx1"/>
-            </a:solidFill>
-            <a:headEnd type="triangle"/>
-            <a:tailEnd type="triangle"/>
-          </a:ln>
-        </p:spPr>
-        <p:style>
-          <a:lnRef idx="1">
-            <a:schemeClr val="accent1"/>
-          </a:lnRef>
-          <a:fillRef idx="0">
-            <a:schemeClr val="accent1"/>
-          </a:fillRef>
-          <a:effectRef idx="0">
-            <a:schemeClr val="accent1"/>
-          </a:effectRef>
-          <a:fontRef idx="minor">
-            <a:schemeClr val="tx1"/>
-          </a:fontRef>
-        </p:style>
-      </p:cxnSp>
       <p:sp>
         <p:nvSpPr>
           <p:cNvPr id="23" name="Rectangle: Rounded Corners 22">
@@ -3994,7 +3869,7 @@
           <p:nvPr/>
         </p:nvPicPr>
         <p:blipFill>
-          <a:blip r:embed="rId4">
+          <a:blip r:embed="rId2">
             <a:extLst>
               <a:ext uri="{28A0092B-C50C-407E-A947-70E740481C1C}">
                 <a14:useLocalDpi xmlns:a14="http://schemas.microsoft.com/office/drawing/2010/main" val="0"/>
@@ -4007,7 +3882,7 @@
         </p:blipFill>
         <p:spPr>
           <a:xfrm>
-            <a:off x="5712597" y="803933"/>
+            <a:off x="5751020" y="1346694"/>
             <a:ext cx="916801" cy="916801"/>
           </a:xfrm>
           <a:prstGeom prst="rect">
@@ -4030,7 +3905,7 @@
           <p:nvPr/>
         </p:nvPicPr>
         <p:blipFill>
-          <a:blip r:embed="rId5">
+          <a:blip r:embed="rId3">
             <a:extLst>
               <a:ext uri="{28A0092B-C50C-407E-A947-70E740481C1C}">
                 <a14:useLocalDpi xmlns:a14="http://schemas.microsoft.com/office/drawing/2010/main" val="0"/>
@@ -4086,6 +3961,42 @@
           </a:p>
         </p:txBody>
       </p:sp>
+      <p:pic>
+        <p:nvPicPr>
+          <p:cNvPr id="4" name="Picture 3" descr="Shape&#10;&#10;Description automatically generated with low confidence">
+            <a:extLst>
+              <a:ext uri="{FF2B5EF4-FFF2-40B4-BE49-F238E27FC236}">
+                <a16:creationId xmlns:a16="http://schemas.microsoft.com/office/drawing/2014/main" id="{FEE0CD21-CC7A-44C8-87FC-97E5E27DFE33}"/>
+              </a:ext>
+            </a:extLst>
+          </p:cNvPr>
+          <p:cNvPicPr>
+            <a:picLocks noChangeAspect="1"/>
+          </p:cNvPicPr>
+          <p:nvPr/>
+        </p:nvPicPr>
+        <p:blipFill>
+          <a:blip r:embed="rId4">
+            <a:extLst>
+              <a:ext uri="{28A0092B-C50C-407E-A947-70E740481C1C}">
+                <a14:useLocalDpi xmlns:a14="http://schemas.microsoft.com/office/drawing/2010/main" val="0"/>
+              </a:ext>
+            </a:extLst>
+          </a:blip>
+          <a:stretch>
+            <a:fillRect/>
+          </a:stretch>
+        </p:blipFill>
+        <p:spPr>
+          <a:xfrm>
+            <a:off x="5751020" y="2311823"/>
+            <a:ext cx="596539" cy="596539"/>
+          </a:xfrm>
+          <a:prstGeom prst="rect">
+            <a:avLst/>
+          </a:prstGeom>
+        </p:spPr>
+      </p:pic>
     </p:spTree>
     <p:extLst>
       <p:ext uri="{BB962C8B-B14F-4D97-AF65-F5344CB8AC3E}">
